--- a/materials/slides/ch12.pptx
+++ b/materials/slides/ch12.pptx
@@ -142,7 +142,7 @@
   </p:defaultTextStyle>
   <p:extLst>
     <p:ext uri="{EFAFB233-063F-42B5-8137-9DF3F51BA10A}">
-      <p15:sldGuideLst xmlns:p15="http://schemas.microsoft.com/office/powerpoint/2012/main">
+      <p15:sldGuideLst xmlns:p15="http://schemas.microsoft.com/office/powerpoint/2012/main" xmlns="">
         <p15:guide id="1" orient="horz" pos="2160" userDrawn="1">
           <p15:clr>
             <a:srgbClr val="A4A3A4"/>
@@ -164,7 +164,7 @@
   <p:cmAuthor id="1" name="Eetze" initials="E" lastIdx="1" clrIdx="0">
     <p:extLst>
       <p:ext uri="{19B8F6BF-5375-455C-9EA6-DF929625EA0E}">
-        <p15:presenceInfo xmlns:p15="http://schemas.microsoft.com/office/powerpoint/2012/main" userId="Eetze" providerId="None"/>
+        <p15:presenceInfo xmlns:p15="http://schemas.microsoft.com/office/powerpoint/2012/main" xmlns="" userId="Eetze" providerId="None"/>
       </p:ext>
     </p:extLst>
   </p:cmAuthor>
@@ -253,7 +253,7 @@
           <a:p>
             <a:fld id="{A097A4FE-15A4-4468-9890-CEB24014ACB3}" type="datetimeFigureOut">
               <a:rPr lang="zh-CN" altLang="en-US" smtClean="0"/>
-              <a:t>2018/4/16</a:t>
+              <a:t>2018/8/27</a:t>
             </a:fld>
             <a:endParaRPr lang="zh-CN" altLang="en-US"/>
           </a:p>
@@ -1852,7 +1852,7 @@
           <a:p>
             <a:fld id="{530820CF-B880-4189-942D-D702A7CBA730}" type="datetimeFigureOut">
               <a:rPr lang="zh-CN" altLang="en-US" smtClean="0"/>
-              <a:t>2018/4/16</a:t>
+              <a:t>2018/8/27</a:t>
             </a:fld>
             <a:endParaRPr lang="zh-CN" altLang="en-US"/>
           </a:p>
@@ -1971,7 +1971,7 @@
           <a:p>
             <a:fld id="{530820CF-B880-4189-942D-D702A7CBA730}" type="datetimeFigureOut">
               <a:rPr lang="zh-CN" altLang="en-US" smtClean="0"/>
-              <a:t>2018/4/16</a:t>
+              <a:t>2018/8/27</a:t>
             </a:fld>
             <a:endParaRPr lang="zh-CN" altLang="en-US"/>
           </a:p>
@@ -2374,7 +2374,7 @@
           <a:p>
             <a:fld id="{530820CF-B880-4189-942D-D702A7CBA730}" type="datetimeFigureOut">
               <a:rPr lang="zh-CN" altLang="en-US" smtClean="0"/>
-              <a:t>2018/4/16</a:t>
+              <a:t>2018/8/27</a:t>
             </a:fld>
             <a:endParaRPr lang="zh-CN" altLang="en-US"/>
           </a:p>
@@ -9612,8 +9612,8 @@
               <a:t>：初始化</a:t>
             </a:r>
             <a:r>
-              <a:rPr lang="en-US" altLang="zh-CN" sz="2800" dirty="0" err="1"/>
-              <a:t>Sockert</a:t>
+              <a:rPr lang="en-US" altLang="zh-CN" sz="2800" dirty="0" smtClean="0"/>
+              <a:t>Socket</a:t>
             </a:r>
             <a:r>
               <a:rPr lang="zh-CN" altLang="en-US" sz="2800" dirty="0"/>
@@ -9625,7 +9625,15 @@
             <a:pPr lvl="1"/>
             <a:r>
               <a:rPr lang="zh-CN" altLang="en-US" sz="2800" dirty="0"/>
-              <a:t>服务端客户端连接后的数据传</a:t>
+              <a:t>服务端客户端连接后的</a:t>
+            </a:r>
+            <a:r>
+              <a:rPr lang="zh-CN" altLang="en-US" sz="2800" dirty="0" smtClean="0"/>
+              <a:t>数据</a:t>
+            </a:r>
+            <a:r>
+              <a:rPr lang="zh-CN" altLang="en-US" sz="2800" dirty="0"/>
+              <a:t>传输</a:t>
             </a:r>
             <a:endParaRPr lang="en-US" altLang="zh-CN" sz="2800" dirty="0"/>
           </a:p>
@@ -9761,9 +9769,9 @@
         <p:grpSpPr bwMode="auto">
           <a:xfrm>
             <a:off x="2730500" y="1663700"/>
-            <a:ext cx="3429000" cy="4267200"/>
+            <a:ext cx="3352800" cy="4267200"/>
             <a:chOff x="288" y="1008"/>
-            <a:chExt cx="2160" cy="2688"/>
+            <a:chExt cx="2112" cy="2688"/>
           </a:xfrm>
         </p:grpSpPr>
         <p:sp>
@@ -9981,7 +9989,7 @@
           <p:spPr bwMode="auto">
             <a:xfrm flipV="1">
               <a:off x="288" y="1392"/>
-              <a:ext cx="2160" cy="0"/>
+              <a:ext cx="2112" cy="0"/>
             </a:xfrm>
             <a:prstGeom prst="line">
               <a:avLst/>
@@ -10514,7 +10522,7 @@
           <p:spPr bwMode="auto">
             <a:xfrm>
               <a:off x="288" y="2448"/>
-              <a:ext cx="2160" cy="0"/>
+              <a:ext cx="2088" cy="0"/>
             </a:xfrm>
             <a:prstGeom prst="line">
               <a:avLst/>
@@ -11118,9 +11126,9 @@
         <p:grpSpPr bwMode="auto">
           <a:xfrm>
             <a:off x="5702300" y="1739900"/>
-            <a:ext cx="4267200" cy="4267200"/>
+            <a:ext cx="4191000" cy="4267200"/>
             <a:chOff x="2448" y="960"/>
-            <a:chExt cx="2688" cy="2688"/>
+            <a:chExt cx="2640" cy="2688"/>
           </a:xfrm>
         </p:grpSpPr>
         <p:sp>
@@ -11338,7 +11346,7 @@
           <p:spPr bwMode="auto">
             <a:xfrm flipV="1">
               <a:off x="2976" y="1344"/>
-              <a:ext cx="2160" cy="0"/>
+              <a:ext cx="2112" cy="0"/>
             </a:xfrm>
             <a:prstGeom prst="line">
               <a:avLst/>
@@ -11699,7 +11707,7 @@
           <p:spPr bwMode="auto">
             <a:xfrm>
               <a:off x="2976" y="2400"/>
-              <a:ext cx="2160" cy="0"/>
+              <a:ext cx="2112" cy="0"/>
             </a:xfrm>
             <a:prstGeom prst="line">
               <a:avLst/>
@@ -12582,6 +12590,17 @@
               <a:t>Socket</a:t>
             </a:r>
             <a:r>
+              <a:rPr lang="zh-CN" altLang="en-US" sz="3200" dirty="0" smtClean="0">
+                <a:solidFill>
+                  <a:schemeClr val="tx1">
+                    <a:lumMod val="85000"/>
+                    <a:lumOff val="15000"/>
+                  </a:schemeClr>
+                </a:solidFill>
+              </a:rPr>
+              <a:t>经常涉及大量</a:t>
+            </a:r>
+            <a:r>
               <a:rPr lang="zh-CN" altLang="en-US" sz="3200" dirty="0">
                 <a:solidFill>
                   <a:schemeClr val="tx1">
@@ -12590,7 +12609,7 @@
                   </a:schemeClr>
                 </a:solidFill>
               </a:rPr>
-              <a:t>经常设计大量数据读取，连接很长</a:t>
+              <a:t>数据读取，连接很长</a:t>
             </a:r>
             <a:endParaRPr lang="en-US" altLang="zh-CN" sz="3200" dirty="0">
               <a:solidFill>
@@ -13810,19 +13829,6 @@
                     </a:rPr>
                     <a:t>3</a:t>
                   </a:r>
-                  <a:endParaRPr lang="en-US" altLang="zh-CN" sz="3200" b="1" dirty="0">
-                    <a:solidFill>
-                      <a:schemeClr val="bg1"/>
-                    </a:solidFill>
-                    <a:effectLst>
-                      <a:outerShdw blurRad="38100" dist="38100" dir="2700000" algn="tl">
-                        <a:srgbClr val="000000">
-                          <a:alpha val="43137"/>
-                        </a:srgbClr>
-                      </a:outerShdw>
-                    </a:effectLst>
-                    <a:ea typeface="宋体" charset="-122"/>
-                  </a:endParaRPr>
                 </a:p>
               </p:txBody>
             </p:sp>
@@ -14198,19 +14204,6 @@
                     </a:rPr>
                     <a:t>4</a:t>
                   </a:r>
-                  <a:endParaRPr lang="en-US" altLang="zh-CN" sz="3200" b="1" dirty="0">
-                    <a:solidFill>
-                      <a:schemeClr val="bg1"/>
-                    </a:solidFill>
-                    <a:effectLst>
-                      <a:outerShdw blurRad="38100" dist="38100" dir="2700000" algn="tl">
-                        <a:srgbClr val="000000">
-                          <a:alpha val="43137"/>
-                        </a:srgbClr>
-                      </a:outerShdw>
-                    </a:effectLst>
-                    <a:ea typeface="宋体" charset="-122"/>
-                  </a:endParaRPr>
                 </a:p>
               </p:txBody>
             </p:sp>
@@ -15617,10 +15610,14 @@
             <a:pPr lvl="1"/>
             <a:r>
               <a:rPr lang="en-US" altLang="zh-CN" sz="2800" dirty="0" err="1"/>
-              <a:t>Int</a:t>
-            </a:r>
-            <a:r>
-              <a:rPr lang="en-US" altLang="zh-CN" sz="2800" dirty="0"/>
+              <a:t>i</a:t>
+            </a:r>
+            <a:r>
+              <a:rPr lang="en-US" altLang="zh-CN" sz="2800" dirty="0" err="1" smtClean="0"/>
+              <a:t>nt</a:t>
+            </a:r>
+            <a:r>
+              <a:rPr lang="en-US" altLang="zh-CN" sz="2800" dirty="0" smtClean="0"/>
               <a:t> </a:t>
             </a:r>
             <a:r>
@@ -15629,14 +15626,10 @@
             </a:r>
             <a:r>
               <a:rPr lang="zh-CN" altLang="en-US" sz="2800" dirty="0"/>
-              <a:t>（）：获得服务器</a:t>
-            </a:r>
-            <a:r>
-              <a:rPr lang="zh-CN" altLang="en-US" sz="2800"/>
-              <a:t>响应</a:t>
-            </a:r>
-            <a:r>
-              <a:rPr lang="zh-CN" altLang="en-US" sz="2800" smtClean="0"/>
+              <a:t>（）：获得服务器响应</a:t>
+            </a:r>
+            <a:r>
+              <a:rPr lang="zh-CN" altLang="en-US" sz="2800" dirty="0" smtClean="0"/>
               <a:t>代码。</a:t>
             </a:r>
             <a:endParaRPr lang="en-US" altLang="zh-CN" sz="2800" dirty="0"/>
@@ -15653,14 +15646,10 @@
             </a:r>
             <a:r>
               <a:rPr lang="zh-CN" altLang="en-US" sz="2800" dirty="0"/>
-              <a:t>（）：获得</a:t>
-            </a:r>
-            <a:r>
-              <a:rPr lang="zh-CN" altLang="en-US" sz="2800"/>
-              <a:t>响应</a:t>
-            </a:r>
-            <a:r>
-              <a:rPr lang="zh-CN" altLang="en-US" sz="2800" smtClean="0"/>
+              <a:t>（）：获得响应</a:t>
+            </a:r>
+            <a:r>
+              <a:rPr lang="zh-CN" altLang="en-US" sz="2800" dirty="0" smtClean="0"/>
               <a:t>消息。</a:t>
             </a:r>
             <a:endParaRPr lang="en-US" altLang="zh-CN" sz="2800" dirty="0"/>
@@ -15677,14 +15666,10 @@
             </a:r>
             <a:r>
               <a:rPr lang="zh-CN" altLang="en-US" sz="2800" dirty="0"/>
-              <a:t>（）：获得</a:t>
-            </a:r>
-            <a:r>
-              <a:rPr lang="zh-CN" altLang="en-US" sz="2800"/>
-              <a:t>请求</a:t>
-            </a:r>
-            <a:r>
-              <a:rPr lang="zh-CN" altLang="en-US" sz="2800" smtClean="0"/>
+              <a:t>（）：获得请求</a:t>
+            </a:r>
+            <a:r>
+              <a:rPr lang="zh-CN" altLang="en-US" sz="2800" dirty="0" smtClean="0"/>
               <a:t>方法。</a:t>
             </a:r>
             <a:endParaRPr lang="en-US" altLang="zh-CN" sz="2800" dirty="0"/>
@@ -15708,15 +15693,15 @@
               <a:t>method</a:t>
             </a:r>
             <a:r>
+              <a:rPr lang="zh-CN" altLang="en-US" sz="2800" dirty="0" smtClean="0"/>
+              <a:t>）：设置</a:t>
+            </a:r>
+            <a:r>
               <a:rPr lang="zh-CN" altLang="en-US" sz="2800" dirty="0"/>
-              <a:t>）设置</a:t>
-            </a:r>
-            <a:r>
-              <a:rPr lang="zh-CN" altLang="en-US" sz="2800"/>
               <a:t>发送</a:t>
             </a:r>
             <a:r>
-              <a:rPr lang="zh-CN" altLang="en-US" sz="2800" smtClean="0"/>
+              <a:rPr lang="zh-CN" altLang="en-US" sz="2800" dirty="0" smtClean="0"/>
               <a:t>方法。</a:t>
             </a:r>
             <a:endParaRPr lang="en-US" altLang="zh-CN" sz="2800" dirty="0"/>
@@ -16744,19 +16729,6 @@
                     </a:rPr>
                     <a:t>3</a:t>
                   </a:r>
-                  <a:endParaRPr lang="en-US" altLang="zh-CN" sz="3200" b="1" dirty="0">
-                    <a:solidFill>
-                      <a:schemeClr val="bg1"/>
-                    </a:solidFill>
-                    <a:effectLst>
-                      <a:outerShdw blurRad="38100" dist="38100" dir="2700000" algn="tl">
-                        <a:srgbClr val="000000">
-                          <a:alpha val="43137"/>
-                        </a:srgbClr>
-                      </a:outerShdw>
-                    </a:effectLst>
-                    <a:ea typeface="宋体" charset="-122"/>
-                  </a:endParaRPr>
                 </a:p>
               </p:txBody>
             </p:sp>
@@ -17548,19 +17520,6 @@
                     </a:rPr>
                     <a:t>4</a:t>
                   </a:r>
-                  <a:endParaRPr lang="en-US" altLang="zh-CN" sz="3200" b="1" dirty="0">
-                    <a:solidFill>
-                      <a:schemeClr val="bg1"/>
-                    </a:solidFill>
-                    <a:effectLst>
-                      <a:outerShdw blurRad="38100" dist="38100" dir="2700000" algn="tl">
-                        <a:srgbClr val="000000">
-                          <a:alpha val="43137"/>
-                        </a:srgbClr>
-                      </a:outerShdw>
-                    </a:effectLst>
-                    <a:ea typeface="宋体" charset="-122"/>
-                  </a:endParaRPr>
                 </a:p>
               </p:txBody>
             </p:sp>
@@ -18033,7 +17992,40 @@
                   </a:schemeClr>
                 </a:solidFill>
               </a:rPr>
-              <a:t>方式：最近的新行形式</a:t>
+              <a:t>方式：最近</a:t>
+            </a:r>
+            <a:r>
+              <a:rPr lang="zh-CN" altLang="en-US" sz="3200" dirty="0" smtClean="0">
+                <a:solidFill>
+                  <a:schemeClr val="tx1">
+                    <a:lumMod val="85000"/>
+                    <a:lumOff val="15000"/>
+                  </a:schemeClr>
+                </a:solidFill>
+              </a:rPr>
+              <a:t>的</a:t>
+            </a:r>
+            <a:r>
+              <a:rPr lang="zh-CN" altLang="en-US" sz="3200" dirty="0">
+                <a:solidFill>
+                  <a:schemeClr val="tx1">
+                    <a:lumMod val="85000"/>
+                    <a:lumOff val="15000"/>
+                  </a:schemeClr>
+                </a:solidFill>
+              </a:rPr>
+              <a:t>新兴</a:t>
+            </a:r>
+            <a:r>
+              <a:rPr lang="zh-CN" altLang="en-US" sz="3200" dirty="0" smtClean="0">
+                <a:solidFill>
+                  <a:schemeClr val="tx1">
+                    <a:lumMod val="85000"/>
+                    <a:lumOff val="15000"/>
+                  </a:schemeClr>
+                </a:solidFill>
+              </a:rPr>
+              <a:t>形式</a:t>
             </a:r>
             <a:endParaRPr lang="en-US" altLang="zh-CN" sz="3200" dirty="0">
               <a:solidFill>
@@ -18246,21 +18238,10 @@
                   </a:schemeClr>
                 </a:solidFill>
               </a:rPr>
-              <a:t>统一描述，发现和整合</a:t>
-            </a:r>
-            <a:r>
-              <a:rPr lang="zh-CN" altLang="en-US" sz="3200">
-                <a:solidFill>
-                  <a:schemeClr val="tx1">
-                    <a:lumMod val="85000"/>
-                    <a:lumOff val="15000"/>
-                  </a:schemeClr>
-                </a:solidFill>
-              </a:rPr>
-              <a:t>协议</a:t>
-            </a:r>
-            <a:r>
-              <a:rPr lang="en-US" altLang="zh-CN" sz="3200" smtClean="0">
+              <a:t>统一描述，发现和整合协议</a:t>
+            </a:r>
+            <a:r>
+              <a:rPr lang="en-US" altLang="zh-CN" sz="3200" dirty="0" smtClean="0">
                 <a:solidFill>
                   <a:schemeClr val="tx1">
                     <a:lumMod val="85000"/>
@@ -18595,7 +18576,29 @@
                   </a:schemeClr>
                 </a:solidFill>
               </a:rPr>
-              <a:t>&lt;Envelop… /&gt;</a:t>
+              <a:t>&lt;</a:t>
+            </a:r>
+            <a:r>
+              <a:rPr lang="en-US" altLang="zh-CN" sz="3200" dirty="0" smtClean="0">
+                <a:solidFill>
+                  <a:schemeClr val="tx1">
+                    <a:lumMod val="85000"/>
+                    <a:lumOff val="15000"/>
+                  </a:schemeClr>
+                </a:solidFill>
+              </a:rPr>
+              <a:t>Envelope… </a:t>
+            </a:r>
+            <a:r>
+              <a:rPr lang="en-US" altLang="zh-CN" sz="3200" dirty="0">
+                <a:solidFill>
+                  <a:schemeClr val="tx1">
+                    <a:lumMod val="85000"/>
+                    <a:lumOff val="15000"/>
+                  </a:schemeClr>
+                </a:solidFill>
+              </a:rPr>
+              <a:t>/&gt;</a:t>
             </a:r>
             <a:r>
               <a:rPr lang="zh-CN" altLang="en-US" sz="3200" dirty="0">
@@ -18761,6 +18764,13 @@
   <p:clrMapOvr>
     <a:masterClrMapping/>
   </p:clrMapOvr>
+  <p:timing>
+    <p:tnLst>
+      <p:par>
+        <p:cTn id="1" dur="indefinite" restart="never" nodeType="tmRoot"/>
+      </p:par>
+    </p:tnLst>
+  </p:timing>
 </p:sld>
 </file>
 
@@ -18878,6 +18888,13 @@
   <p:clrMapOvr>
     <a:masterClrMapping/>
   </p:clrMapOvr>
+  <p:timing>
+    <p:tnLst>
+      <p:par>
+        <p:cTn id="1" dur="indefinite" restart="never" nodeType="tmRoot"/>
+      </p:par>
+    </p:tnLst>
+  </p:timing>
 </p:sld>
 </file>
 
@@ -19327,6 +19344,13 @@
   <p:clrMapOvr>
     <a:masterClrMapping/>
   </p:clrMapOvr>
+  <p:timing>
+    <p:tnLst>
+      <p:par>
+        <p:cTn id="1" dur="indefinite" restart="never" nodeType="tmRoot"/>
+      </p:par>
+    </p:tnLst>
+  </p:timing>
 </p:sld>
 </file>
 
@@ -19713,6 +19737,13 @@
   <p:clrMapOvr>
     <a:masterClrMapping/>
   </p:clrMapOvr>
+  <p:timing>
+    <p:tnLst>
+      <p:par>
+        <p:cTn id="1" dur="indefinite" restart="never" nodeType="tmRoot"/>
+      </p:par>
+    </p:tnLst>
+  </p:timing>
 </p:sld>
 </file>
 
@@ -21198,19 +21229,6 @@
                     </a:rPr>
                     <a:t>3</a:t>
                   </a:r>
-                  <a:endParaRPr lang="en-US" altLang="zh-CN" sz="3200" b="1" dirty="0">
-                    <a:solidFill>
-                      <a:schemeClr val="bg1"/>
-                    </a:solidFill>
-                    <a:effectLst>
-                      <a:outerShdw blurRad="38100" dist="38100" dir="2700000" algn="tl">
-                        <a:srgbClr val="000000">
-                          <a:alpha val="43137"/>
-                        </a:srgbClr>
-                      </a:outerShdw>
-                    </a:effectLst>
-                    <a:ea typeface="宋体" charset="-122"/>
-                  </a:endParaRPr>
                 </a:p>
               </p:txBody>
             </p:sp>
@@ -21586,19 +21604,6 @@
                     </a:rPr>
                     <a:t>4</a:t>
                   </a:r>
-                  <a:endParaRPr lang="en-US" altLang="zh-CN" sz="3200" b="1" dirty="0">
-                    <a:solidFill>
-                      <a:schemeClr val="bg1"/>
-                    </a:solidFill>
-                    <a:effectLst>
-                      <a:outerShdw blurRad="38100" dist="38100" dir="2700000" algn="tl">
-                        <a:srgbClr val="000000">
-                          <a:alpha val="43137"/>
-                        </a:srgbClr>
-                      </a:outerShdw>
-                    </a:effectLst>
-                    <a:ea typeface="宋体" charset="-122"/>
-                  </a:endParaRPr>
                 </a:p>
               </p:txBody>
             </p:sp>
@@ -22653,19 +22658,6 @@
                     </a:rPr>
                     <a:t>3</a:t>
                   </a:r>
-                  <a:endParaRPr lang="en-US" altLang="zh-CN" sz="3200" b="1" dirty="0">
-                    <a:solidFill>
-                      <a:schemeClr val="bg1"/>
-                    </a:solidFill>
-                    <a:effectLst>
-                      <a:outerShdw blurRad="38100" dist="38100" dir="2700000" algn="tl">
-                        <a:srgbClr val="000000">
-                          <a:alpha val="43137"/>
-                        </a:srgbClr>
-                      </a:outerShdw>
-                    </a:effectLst>
-                    <a:ea typeface="宋体" charset="-122"/>
-                  </a:endParaRPr>
                 </a:p>
               </p:txBody>
             </p:sp>
@@ -23051,19 +23043,6 @@
                     </a:rPr>
                     <a:t>4</a:t>
                   </a:r>
-                  <a:endParaRPr lang="en-US" altLang="zh-CN" sz="3200" b="1" dirty="0">
-                    <a:solidFill>
-                      <a:schemeClr val="bg1"/>
-                    </a:solidFill>
-                    <a:effectLst>
-                      <a:outerShdw blurRad="38100" dist="38100" dir="2700000" algn="tl">
-                        <a:srgbClr val="000000">
-                          <a:alpha val="43137"/>
-                        </a:srgbClr>
-                      </a:outerShdw>
-                    </a:effectLst>
-                    <a:ea typeface="宋体" charset="-122"/>
-                  </a:endParaRPr>
                 </a:p>
               </p:txBody>
             </p:sp>
@@ -23869,10 +23848,32 @@
                   </a:schemeClr>
                 </a:solidFill>
               </a:rPr>
-              <a:t>：加载制定</a:t>
-            </a:r>
-            <a:r>
-              <a:rPr lang="en-US" altLang="zh-CN" sz="2800" dirty="0">
+              <a:t>：</a:t>
+            </a:r>
+            <a:r>
+              <a:rPr lang="zh-CN" altLang="en-US" sz="2800" dirty="0" smtClean="0">
+                <a:solidFill>
+                  <a:schemeClr val="tx1">
+                    <a:lumMod val="85000"/>
+                    <a:lumOff val="15000"/>
+                  </a:schemeClr>
+                </a:solidFill>
+              </a:rPr>
+              <a:t>加载</a:t>
+            </a:r>
+            <a:r>
+              <a:rPr lang="zh-CN" altLang="en-US" sz="2800" dirty="0">
+                <a:solidFill>
+                  <a:schemeClr val="tx1">
+                    <a:lumMod val="85000"/>
+                    <a:lumOff val="15000"/>
+                  </a:schemeClr>
+                </a:solidFill>
+              </a:rPr>
+              <a:t>指定</a:t>
+            </a:r>
+            <a:r>
+              <a:rPr lang="en-US" altLang="zh-CN" sz="2800" dirty="0" smtClean="0">
                 <a:solidFill>
                   <a:schemeClr val="tx1">
                     <a:lumMod val="85000"/>
@@ -26201,11 +26202,11 @@
               <a:t>客户端（</a:t>
             </a:r>
             <a:r>
-              <a:rPr lang="en-US" altLang="zh-CN" dirty="0">
+              <a:rPr lang="en-US" altLang="zh-CN" dirty="0" smtClean="0">
                 <a:latin typeface="微软雅黑" panose="020B0503020204020204" pitchFamily="34" charset="-122"/>
                 <a:ea typeface="微软雅黑" panose="020B0503020204020204" pitchFamily="34" charset="-122"/>
               </a:rPr>
-              <a:t>Clint</a:t>
+              <a:t>Client</a:t>
             </a:r>
             <a:r>
               <a:rPr lang="zh-CN" altLang="en-US" dirty="0">
@@ -26261,11 +26262,11 @@
               <a:t>客户端（</a:t>
             </a:r>
             <a:r>
-              <a:rPr lang="en-US" altLang="zh-CN" dirty="0">
+              <a:rPr lang="en-US" altLang="zh-CN" dirty="0" smtClean="0">
                 <a:latin typeface="微软雅黑" panose="020B0503020204020204" pitchFamily="34" charset="-122"/>
                 <a:ea typeface="微软雅黑" panose="020B0503020204020204" pitchFamily="34" charset="-122"/>
               </a:rPr>
-              <a:t>Clint</a:t>
+              <a:t>Client</a:t>
             </a:r>
             <a:r>
               <a:rPr lang="zh-CN" altLang="en-US" dirty="0">
@@ -26321,11 +26322,11 @@
               <a:t>客户端（</a:t>
             </a:r>
             <a:r>
-              <a:rPr lang="en-US" altLang="zh-CN" dirty="0">
+              <a:rPr lang="en-US" altLang="zh-CN" dirty="0" smtClean="0">
                 <a:latin typeface="微软雅黑" panose="020B0503020204020204" pitchFamily="34" charset="-122"/>
                 <a:ea typeface="微软雅黑" panose="020B0503020204020204" pitchFamily="34" charset="-122"/>
               </a:rPr>
-              <a:t>Clint</a:t>
+              <a:t>Client</a:t>
             </a:r>
             <a:r>
               <a:rPr lang="zh-CN" altLang="en-US" dirty="0">
